--- a/발표/최종제출.pptx
+++ b/발표/최종제출.pptx
@@ -24,8 +24,8 @@
     <p:sldId id="299" r:id="rId18"/>
     <p:sldId id="286" r:id="rId19"/>
     <p:sldId id="297" r:id="rId20"/>
-    <p:sldId id="301" r:id="rId21"/>
-    <p:sldId id="300" r:id="rId22"/>
+    <p:sldId id="302" r:id="rId21"/>
+    <p:sldId id="301" r:id="rId22"/>
     <p:sldId id="272" r:id="rId23"/>
   </p:sldIdLst>
   <p:sldSz cx="9144000" cy="6858000" type="screen4x3"/>
@@ -6144,7 +6144,7 @@
         </p:nvSpPr>
         <p:spPr>
           <a:xfrm>
-            <a:off x="421107" y="1083952"/>
+            <a:off x="421107" y="1104272"/>
             <a:ext cx="8316602" cy="5261371"/>
           </a:xfrm>
           <a:prstGeom prst="rect">
@@ -6177,8 +6177,599 @@
           <a:bodyPr rtlCol="0" anchor="ctr"/>
           <a:lstStyle/>
           <a:p>
-            <a:pPr algn="ctr"/>
-            <a:endParaRPr lang="ko-KR" altLang="en-US" dirty="0"/>
+            <a:r>
+              <a:rPr lang="ko-KR" altLang="en-US" dirty="0">
+                <a:solidFill>
+                  <a:schemeClr val="tx1"/>
+                </a:solidFill>
+              </a:rPr>
+              <a:t>이번 프로젝트에서 저는 </a:t>
+            </a:r>
+            <a:r>
+              <a:rPr lang="ko-KR" altLang="en-US" dirty="0" err="1">
+                <a:solidFill>
+                  <a:schemeClr val="tx1"/>
+                </a:solidFill>
+              </a:rPr>
+              <a:t>파이썬으로</a:t>
+            </a:r>
+            <a:r>
+              <a:rPr lang="ko-KR" altLang="en-US" dirty="0">
+                <a:solidFill>
+                  <a:schemeClr val="tx1"/>
+                </a:solidFill>
+              </a:rPr>
+              <a:t> </a:t>
+            </a:r>
+            <a:r>
+              <a:rPr lang="ko-KR" altLang="en-US" dirty="0" err="1">
+                <a:solidFill>
+                  <a:schemeClr val="tx1"/>
+                </a:solidFill>
+              </a:rPr>
+              <a:t>하는것은</a:t>
+            </a:r>
+            <a:r>
+              <a:rPr lang="ko-KR" altLang="en-US" dirty="0">
+                <a:solidFill>
+                  <a:schemeClr val="tx1"/>
+                </a:solidFill>
+              </a:rPr>
+              <a:t> 모두 제가 담당 하였습니다</a:t>
+            </a:r>
+            <a:r>
+              <a:rPr lang="en-US" altLang="ko-KR" dirty="0">
+                <a:solidFill>
+                  <a:schemeClr val="tx1"/>
+                </a:solidFill>
+              </a:rPr>
+              <a:t>.</a:t>
+            </a:r>
+          </a:p>
+          <a:p>
+            <a:r>
+              <a:rPr lang="ko-KR" altLang="en-US" dirty="0">
+                <a:solidFill>
+                  <a:schemeClr val="tx1"/>
+                </a:solidFill>
+              </a:rPr>
+              <a:t>처음에는 </a:t>
+            </a:r>
+            <a:r>
+              <a:rPr lang="ko-KR" altLang="en-US" dirty="0" err="1">
+                <a:solidFill>
+                  <a:schemeClr val="tx1"/>
+                </a:solidFill>
+              </a:rPr>
+              <a:t>파이썬으로</a:t>
+            </a:r>
+            <a:r>
+              <a:rPr lang="ko-KR" altLang="en-US" dirty="0">
+                <a:solidFill>
+                  <a:schemeClr val="tx1"/>
+                </a:solidFill>
+              </a:rPr>
+              <a:t> 자료를 </a:t>
+            </a:r>
+            <a:r>
+              <a:rPr lang="ko-KR" altLang="en-US" dirty="0" err="1">
+                <a:solidFill>
+                  <a:schemeClr val="tx1"/>
+                </a:solidFill>
+              </a:rPr>
+              <a:t>정리하는것이</a:t>
+            </a:r>
+            <a:r>
+              <a:rPr lang="ko-KR" altLang="en-US" dirty="0">
+                <a:solidFill>
+                  <a:schemeClr val="tx1"/>
+                </a:solidFill>
+              </a:rPr>
+              <a:t> 양이 </a:t>
+            </a:r>
+            <a:r>
+              <a:rPr lang="ko-KR" altLang="en-US" dirty="0" err="1">
+                <a:solidFill>
+                  <a:schemeClr val="tx1"/>
+                </a:solidFill>
+              </a:rPr>
+              <a:t>적을줄</a:t>
+            </a:r>
+            <a:r>
+              <a:rPr lang="ko-KR" altLang="en-US" dirty="0">
+                <a:solidFill>
+                  <a:schemeClr val="tx1"/>
+                </a:solidFill>
+              </a:rPr>
+              <a:t> 알았으나</a:t>
+            </a:r>
+            <a:r>
+              <a:rPr lang="en-US" altLang="ko-KR" dirty="0">
+                <a:solidFill>
+                  <a:schemeClr val="tx1"/>
+                </a:solidFill>
+              </a:rPr>
+              <a:t>,</a:t>
+            </a:r>
+          </a:p>
+          <a:p>
+            <a:r>
+              <a:rPr lang="ko-KR" altLang="en-US" dirty="0">
+                <a:solidFill>
+                  <a:schemeClr val="tx1"/>
+                </a:solidFill>
+              </a:rPr>
+              <a:t>구글 </a:t>
+            </a:r>
+            <a:r>
+              <a:rPr lang="en-US" altLang="ko-KR" dirty="0" err="1">
+                <a:solidFill>
+                  <a:schemeClr val="tx1"/>
+                </a:solidFill>
+              </a:rPr>
+              <a:t>api</a:t>
+            </a:r>
+            <a:r>
+              <a:rPr lang="ko-KR" altLang="en-US" dirty="0" err="1">
+                <a:solidFill>
+                  <a:schemeClr val="tx1"/>
+                </a:solidFill>
+              </a:rPr>
+              <a:t>를</a:t>
+            </a:r>
+            <a:r>
+              <a:rPr lang="ko-KR" altLang="en-US" dirty="0">
+                <a:solidFill>
+                  <a:schemeClr val="tx1"/>
+                </a:solidFill>
+              </a:rPr>
+              <a:t> 통한 위도 경도 반환</a:t>
+            </a:r>
+            <a:r>
+              <a:rPr lang="en-US" altLang="ko-KR" dirty="0">
+                <a:solidFill>
+                  <a:schemeClr val="tx1"/>
+                </a:solidFill>
+              </a:rPr>
+              <a:t>, </a:t>
+            </a:r>
+            <a:r>
+              <a:rPr lang="ko-KR" altLang="en-US" dirty="0">
+                <a:solidFill>
+                  <a:schemeClr val="tx1"/>
+                </a:solidFill>
+              </a:rPr>
+              <a:t>네이버 </a:t>
+            </a:r>
+            <a:r>
+              <a:rPr lang="en-US" altLang="ko-KR" dirty="0" err="1">
+                <a:solidFill>
+                  <a:schemeClr val="tx1"/>
+                </a:solidFill>
+              </a:rPr>
+              <a:t>api</a:t>
+            </a:r>
+            <a:r>
+              <a:rPr lang="ko-KR" altLang="en-US" dirty="0">
+                <a:solidFill>
+                  <a:schemeClr val="tx1"/>
+                </a:solidFill>
+              </a:rPr>
+              <a:t>를 통한 주소를 반환해서 구를 활용</a:t>
+            </a:r>
+            <a:r>
+              <a:rPr lang="en-US" altLang="ko-KR" dirty="0">
+                <a:solidFill>
+                  <a:schemeClr val="tx1"/>
+                </a:solidFill>
+              </a:rPr>
+              <a:t>,</a:t>
+            </a:r>
+            <a:r>
+              <a:rPr lang="ko-KR" altLang="en-US" dirty="0">
+                <a:solidFill>
+                  <a:schemeClr val="tx1"/>
+                </a:solidFill>
+              </a:rPr>
+              <a:t> 또한 </a:t>
+            </a:r>
+            <a:r>
+              <a:rPr lang="en-US" altLang="ko-KR" dirty="0">
+                <a:solidFill>
+                  <a:schemeClr val="tx1"/>
+                </a:solidFill>
+              </a:rPr>
+              <a:t>csv </a:t>
+            </a:r>
+            <a:r>
+              <a:rPr lang="ko-KR" altLang="en-US" dirty="0">
+                <a:solidFill>
+                  <a:schemeClr val="tx1"/>
+                </a:solidFill>
+              </a:rPr>
+              <a:t>파일을 </a:t>
+            </a:r>
+            <a:r>
+              <a:rPr lang="ko-KR" altLang="en-US" dirty="0" err="1">
+                <a:solidFill>
+                  <a:schemeClr val="tx1"/>
+                </a:solidFill>
+              </a:rPr>
+              <a:t>파이썬으로</a:t>
+            </a:r>
+            <a:r>
+              <a:rPr lang="ko-KR" altLang="en-US" dirty="0">
+                <a:solidFill>
+                  <a:schemeClr val="tx1"/>
+                </a:solidFill>
+              </a:rPr>
+              <a:t> 정리하는 작업은 정말 할 일이 많았습니다</a:t>
+            </a:r>
+            <a:r>
+              <a:rPr lang="en-US" altLang="ko-KR" dirty="0">
+                <a:solidFill>
+                  <a:schemeClr val="tx1"/>
+                </a:solidFill>
+              </a:rPr>
+              <a:t>.</a:t>
+            </a:r>
+          </a:p>
+          <a:p>
+            <a:r>
+              <a:rPr lang="ko-KR" altLang="en-US" dirty="0">
+                <a:solidFill>
+                  <a:schemeClr val="tx1"/>
+                </a:solidFill>
+              </a:rPr>
+              <a:t>또한 </a:t>
+            </a:r>
+            <a:r>
+              <a:rPr lang="en-US" altLang="ko-KR" dirty="0">
+                <a:solidFill>
+                  <a:schemeClr val="tx1"/>
+                </a:solidFill>
+              </a:rPr>
+              <a:t>git</a:t>
+            </a:r>
+            <a:r>
+              <a:rPr lang="ko-KR" altLang="en-US" dirty="0">
+                <a:solidFill>
+                  <a:schemeClr val="tx1"/>
+                </a:solidFill>
+              </a:rPr>
+              <a:t>과 </a:t>
+            </a:r>
+            <a:r>
+              <a:rPr lang="en-US" altLang="ko-KR" dirty="0" err="1">
+                <a:solidFill>
+                  <a:schemeClr val="tx1"/>
+                </a:solidFill>
+              </a:rPr>
+              <a:t>github</a:t>
+            </a:r>
+            <a:r>
+              <a:rPr lang="ko-KR" altLang="en-US" dirty="0">
+                <a:solidFill>
+                  <a:schemeClr val="tx1"/>
+                </a:solidFill>
+              </a:rPr>
+              <a:t>를 활용하여 팀 프로젝트를 동기화하고 </a:t>
+            </a:r>
+            <a:r>
+              <a:rPr lang="en-US" altLang="ko-KR" dirty="0">
+                <a:solidFill>
+                  <a:schemeClr val="tx1"/>
+                </a:solidFill>
+              </a:rPr>
+              <a:t>azure </a:t>
+            </a:r>
+            <a:r>
+              <a:rPr lang="ko-KR" altLang="en-US" dirty="0">
+                <a:solidFill>
+                  <a:schemeClr val="tx1"/>
+                </a:solidFill>
+              </a:rPr>
+              <a:t>프로그램을 활용해서 웹페이지를 구현하였습니다</a:t>
+            </a:r>
+            <a:r>
+              <a:rPr lang="en-US" altLang="ko-KR" dirty="0">
+                <a:solidFill>
+                  <a:schemeClr val="tx1"/>
+                </a:solidFill>
+              </a:rPr>
+              <a:t>. Git</a:t>
+            </a:r>
+            <a:r>
+              <a:rPr lang="ko-KR" altLang="en-US" dirty="0">
+                <a:solidFill>
+                  <a:schemeClr val="tx1"/>
+                </a:solidFill>
+              </a:rPr>
+              <a:t>과 </a:t>
+            </a:r>
+            <a:r>
+              <a:rPr lang="en-US" altLang="ko-KR" dirty="0" err="1">
+                <a:solidFill>
+                  <a:schemeClr val="tx1"/>
+                </a:solidFill>
+              </a:rPr>
+              <a:t>github</a:t>
+            </a:r>
+            <a:r>
+              <a:rPr lang="ko-KR" altLang="en-US" dirty="0">
+                <a:solidFill>
+                  <a:schemeClr val="tx1"/>
+                </a:solidFill>
+              </a:rPr>
+              <a:t>를 </a:t>
+            </a:r>
+            <a:r>
+              <a:rPr lang="ko-KR" altLang="en-US" dirty="0" err="1">
+                <a:solidFill>
+                  <a:schemeClr val="tx1"/>
+                </a:solidFill>
+              </a:rPr>
+              <a:t>활용하는것은</a:t>
+            </a:r>
+            <a:r>
+              <a:rPr lang="ko-KR" altLang="en-US" dirty="0">
+                <a:solidFill>
+                  <a:schemeClr val="tx1"/>
+                </a:solidFill>
+              </a:rPr>
+              <a:t> 저 혼자서는 꽤 </a:t>
+            </a:r>
+            <a:r>
+              <a:rPr lang="ko-KR" altLang="en-US" dirty="0" err="1">
+                <a:solidFill>
+                  <a:schemeClr val="tx1"/>
+                </a:solidFill>
+              </a:rPr>
+              <a:t>사용해보았었지만</a:t>
+            </a:r>
+            <a:r>
+              <a:rPr lang="en-US" altLang="ko-KR" dirty="0">
+                <a:solidFill>
+                  <a:schemeClr val="tx1"/>
+                </a:solidFill>
+              </a:rPr>
+              <a:t>, </a:t>
+            </a:r>
+            <a:r>
+              <a:rPr lang="ko-KR" altLang="en-US" dirty="0">
+                <a:solidFill>
+                  <a:schemeClr val="tx1"/>
+                </a:solidFill>
+              </a:rPr>
+              <a:t>이렇게 함께 협업 </a:t>
+            </a:r>
+            <a:r>
+              <a:rPr lang="ko-KR" altLang="en-US" dirty="0" err="1">
+                <a:solidFill>
+                  <a:schemeClr val="tx1"/>
+                </a:solidFill>
+              </a:rPr>
+              <a:t>하는것은</a:t>
+            </a:r>
+            <a:r>
+              <a:rPr lang="ko-KR" altLang="en-US" dirty="0">
+                <a:solidFill>
+                  <a:schemeClr val="tx1"/>
+                </a:solidFill>
+              </a:rPr>
+              <a:t> 정말 처음이었기에 </a:t>
+            </a:r>
+            <a:r>
+              <a:rPr lang="en-US" altLang="ko-KR" dirty="0">
+                <a:solidFill>
+                  <a:schemeClr val="tx1"/>
+                </a:solidFill>
+              </a:rPr>
+              <a:t>merge </a:t>
+            </a:r>
+            <a:r>
+              <a:rPr lang="ko-KR" altLang="en-US" dirty="0" err="1">
+                <a:solidFill>
+                  <a:schemeClr val="tx1"/>
+                </a:solidFill>
+              </a:rPr>
+              <a:t>라던지</a:t>
+            </a:r>
+            <a:r>
+              <a:rPr lang="ko-KR" altLang="en-US" dirty="0">
+                <a:solidFill>
+                  <a:schemeClr val="tx1"/>
+                </a:solidFill>
+              </a:rPr>
+              <a:t> 많은 고난과 역경이 있었지만</a:t>
+            </a:r>
+            <a:r>
+              <a:rPr lang="en-US" altLang="ko-KR" dirty="0">
+                <a:solidFill>
+                  <a:schemeClr val="tx1"/>
+                </a:solidFill>
+              </a:rPr>
+              <a:t>, </a:t>
+            </a:r>
+            <a:r>
+              <a:rPr lang="ko-KR" altLang="en-US" dirty="0">
+                <a:solidFill>
+                  <a:schemeClr val="tx1"/>
+                </a:solidFill>
+              </a:rPr>
+              <a:t>지금 돌아보니 정말 뿌듯합니다</a:t>
+            </a:r>
+            <a:r>
+              <a:rPr lang="en-US" altLang="ko-KR">
+                <a:solidFill>
+                  <a:schemeClr val="tx1"/>
+                </a:solidFill>
+              </a:rPr>
+              <a:t>.</a:t>
+            </a:r>
+          </a:p>
+          <a:p>
+            <a:endParaRPr lang="en-US" altLang="ko-KR" dirty="0">
+              <a:solidFill>
+                <a:schemeClr val="tx1"/>
+              </a:solidFill>
+            </a:endParaRPr>
+          </a:p>
+          <a:p>
+            <a:r>
+              <a:rPr lang="ko-KR" altLang="en-US" dirty="0">
+                <a:solidFill>
+                  <a:schemeClr val="tx1"/>
+                </a:solidFill>
+              </a:rPr>
+              <a:t>저는 컴퓨터 전공자로서 정말 프로그래밍만 해왔습니다</a:t>
+            </a:r>
+            <a:r>
+              <a:rPr lang="en-US" altLang="ko-KR" dirty="0">
+                <a:solidFill>
+                  <a:schemeClr val="tx1"/>
+                </a:solidFill>
+              </a:rPr>
+              <a:t>. </a:t>
+            </a:r>
+            <a:r>
+              <a:rPr lang="ko-KR" altLang="en-US" dirty="0">
+                <a:solidFill>
+                  <a:schemeClr val="tx1"/>
+                </a:solidFill>
+              </a:rPr>
+              <a:t>이렇게 다른 전공자들과 함께 프로젝트를 해보니 프로젝트에 대한 시각에 대해서 정말 다르게 </a:t>
+            </a:r>
+            <a:r>
+              <a:rPr lang="ko-KR" altLang="en-US" dirty="0" err="1">
+                <a:solidFill>
+                  <a:schemeClr val="tx1"/>
+                </a:solidFill>
+              </a:rPr>
+              <a:t>생각할수</a:t>
+            </a:r>
+            <a:r>
+              <a:rPr lang="ko-KR" altLang="en-US" dirty="0">
+                <a:solidFill>
+                  <a:schemeClr val="tx1"/>
+                </a:solidFill>
+              </a:rPr>
+              <a:t> </a:t>
+            </a:r>
+            <a:r>
+              <a:rPr lang="ko-KR" altLang="en-US" dirty="0" err="1">
+                <a:solidFill>
+                  <a:schemeClr val="tx1"/>
+                </a:solidFill>
+              </a:rPr>
+              <a:t>있구나를</a:t>
+            </a:r>
+            <a:r>
+              <a:rPr lang="ko-KR" altLang="en-US" dirty="0">
+                <a:solidFill>
+                  <a:schemeClr val="tx1"/>
+                </a:solidFill>
+              </a:rPr>
+              <a:t> </a:t>
+            </a:r>
+            <a:r>
+              <a:rPr lang="ko-KR" altLang="en-US" dirty="0" err="1">
+                <a:solidFill>
+                  <a:schemeClr val="tx1"/>
+                </a:solidFill>
+              </a:rPr>
+              <a:t>깨닳았습니다</a:t>
+            </a:r>
+            <a:r>
+              <a:rPr lang="en-US" altLang="ko-KR" dirty="0">
+                <a:solidFill>
+                  <a:schemeClr val="tx1"/>
+                </a:solidFill>
+              </a:rPr>
+              <a:t>.</a:t>
+            </a:r>
+          </a:p>
+          <a:p>
+            <a:r>
+              <a:rPr lang="ko-KR" altLang="en-US" dirty="0">
+                <a:solidFill>
+                  <a:schemeClr val="tx1"/>
+                </a:solidFill>
+              </a:rPr>
+              <a:t>정말 개인적으로 성장을 </a:t>
+            </a:r>
+            <a:r>
+              <a:rPr lang="ko-KR" altLang="en-US" dirty="0" err="1">
+                <a:solidFill>
+                  <a:schemeClr val="tx1"/>
+                </a:solidFill>
+              </a:rPr>
+              <a:t>많이한</a:t>
+            </a:r>
+            <a:r>
+              <a:rPr lang="ko-KR" altLang="en-US" dirty="0">
+                <a:solidFill>
+                  <a:schemeClr val="tx1"/>
+                </a:solidFill>
+              </a:rPr>
+              <a:t> </a:t>
+            </a:r>
+            <a:r>
+              <a:rPr lang="en-US" altLang="ko-KR" dirty="0">
+                <a:solidFill>
+                  <a:schemeClr val="tx1"/>
+                </a:solidFill>
+              </a:rPr>
+              <a:t>1</a:t>
+            </a:r>
+            <a:r>
+              <a:rPr lang="ko-KR" altLang="en-US" dirty="0">
+                <a:solidFill>
+                  <a:schemeClr val="tx1"/>
+                </a:solidFill>
+              </a:rPr>
+              <a:t>달이 되었습니다</a:t>
+            </a:r>
+            <a:r>
+              <a:rPr lang="en-US" altLang="ko-KR" dirty="0">
+                <a:solidFill>
+                  <a:schemeClr val="tx1"/>
+                </a:solidFill>
+              </a:rPr>
+              <a:t>. </a:t>
+            </a:r>
+            <a:r>
+              <a:rPr lang="ko-KR" altLang="en-US" dirty="0">
+                <a:solidFill>
+                  <a:schemeClr val="tx1"/>
+                </a:solidFill>
+              </a:rPr>
+              <a:t>정말 </a:t>
+            </a:r>
+            <a:r>
+              <a:rPr lang="ko-KR" altLang="en-US" dirty="0" err="1">
+                <a:solidFill>
+                  <a:schemeClr val="tx1"/>
+                </a:solidFill>
+              </a:rPr>
+              <a:t>정말</a:t>
+            </a:r>
+            <a:r>
+              <a:rPr lang="ko-KR" altLang="en-US" dirty="0">
+                <a:solidFill>
+                  <a:schemeClr val="tx1"/>
+                </a:solidFill>
+              </a:rPr>
+              <a:t> 감사합니다</a:t>
+            </a:r>
+            <a:r>
+              <a:rPr lang="en-US" altLang="ko-KR" dirty="0">
+                <a:solidFill>
+                  <a:schemeClr val="tx1"/>
+                </a:solidFill>
+              </a:rPr>
+              <a:t>.</a:t>
+            </a:r>
           </a:p>
         </p:txBody>
       </p:sp>
@@ -6220,7 +6811,7 @@
                 </a:solidFill>
                 <a:latin typeface="+mn-ea"/>
               </a:rPr>
-              <a:t>조별총평</a:t>
+              <a:t>역할 및 개인 총평</a:t>
             </a:r>
             <a:endParaRPr lang="en-US" altLang="ko-KR" sz="3200" b="1" spc="-50" dirty="0">
               <a:solidFill>
@@ -6277,7 +6868,7 @@
     </p:spTree>
     <p:extLst>
       <p:ext uri="{BB962C8B-B14F-4D97-AF65-F5344CB8AC3E}">
-        <p14:creationId xmlns:p14="http://schemas.microsoft.com/office/powerpoint/2010/main" val="3256980057"/>
+        <p14:creationId xmlns:p14="http://schemas.microsoft.com/office/powerpoint/2010/main" val="2922981406"/>
       </p:ext>
     </p:extLst>
   </p:cSld>
@@ -6325,7 +6916,7 @@
         <p:spPr>
           <a:xfrm>
             <a:off x="421107" y="1083952"/>
-            <a:ext cx="8316602" cy="5189363"/>
+            <a:ext cx="8316602" cy="5261371"/>
           </a:xfrm>
           <a:prstGeom prst="rect">
             <a:avLst/>
@@ -6391,7 +6982,7 @@
                 </a:solidFill>
                 <a:latin typeface="+mn-ea"/>
               </a:rPr>
-              <a:t>3. </a:t>
+              <a:t>2. </a:t>
             </a:r>
             <a:r>
               <a:rPr lang="ko-KR" altLang="en-US" sz="3200" b="1" spc="-50" dirty="0">
@@ -6400,7 +6991,7 @@
                 </a:solidFill>
                 <a:latin typeface="+mn-ea"/>
               </a:rPr>
-              <a:t>개인별 총평</a:t>
+              <a:t>조별총평</a:t>
             </a:r>
             <a:endParaRPr lang="en-US" altLang="ko-KR" sz="3200" b="1" spc="-50" dirty="0">
               <a:solidFill>
@@ -6457,7 +7048,7 @@
     </p:spTree>
     <p:extLst>
       <p:ext uri="{BB962C8B-B14F-4D97-AF65-F5344CB8AC3E}">
-        <p14:creationId xmlns:p14="http://schemas.microsoft.com/office/powerpoint/2010/main" val="2688365232"/>
+        <p14:creationId xmlns:p14="http://schemas.microsoft.com/office/powerpoint/2010/main" val="3256980057"/>
       </p:ext>
     </p:extLst>
   </p:cSld>

--- a/발표/최종제출.pptx
+++ b/발표/최종제출.pptx
@@ -6915,7 +6915,7 @@
         </p:nvSpPr>
         <p:spPr>
           <a:xfrm>
-            <a:off x="421107" y="1083952"/>
+            <a:off x="413699" y="1052513"/>
             <a:ext cx="8316602" cy="5261371"/>
           </a:xfrm>
           <a:prstGeom prst="rect">
@@ -6949,7 +6949,86 @@
           <a:lstStyle/>
           <a:p>
             <a:pPr algn="ctr"/>
-            <a:endParaRPr lang="ko-KR" altLang="en-US" dirty="0"/>
+            <a:r>
+              <a:rPr lang="ko-KR" altLang="en-US" dirty="0">
+                <a:solidFill>
+                  <a:schemeClr val="tx1"/>
+                </a:solidFill>
+              </a:rPr>
+              <a:t>대부분의 분들이 정말 좋은 의견을 내주셨습니다</a:t>
+            </a:r>
+            <a:r>
+              <a:rPr lang="en-US" altLang="ko-KR" dirty="0">
+                <a:solidFill>
+                  <a:schemeClr val="tx1"/>
+                </a:solidFill>
+              </a:rPr>
+              <a:t>.</a:t>
+            </a:r>
+          </a:p>
+          <a:p>
+            <a:pPr algn="ctr"/>
+            <a:r>
+              <a:rPr lang="ko-KR" altLang="en-US" dirty="0">
+                <a:solidFill>
+                  <a:schemeClr val="tx1"/>
+                </a:solidFill>
+              </a:rPr>
+              <a:t>이번 프로젝트를 기회가 된다면 정말로 공모전에 </a:t>
+            </a:r>
+            <a:r>
+              <a:rPr lang="ko-KR" altLang="en-US" dirty="0" err="1">
+                <a:solidFill>
+                  <a:schemeClr val="tx1"/>
+                </a:solidFill>
+              </a:rPr>
+              <a:t>참석해야겠다는</a:t>
+            </a:r>
+            <a:endParaRPr lang="en-US" altLang="ko-KR" dirty="0">
+              <a:solidFill>
+                <a:schemeClr val="tx1"/>
+              </a:solidFill>
+            </a:endParaRPr>
+          </a:p>
+          <a:p>
+            <a:pPr algn="ctr"/>
+            <a:r>
+              <a:rPr lang="ko-KR" altLang="en-US" dirty="0">
+                <a:solidFill>
+                  <a:schemeClr val="tx1"/>
+                </a:solidFill>
+              </a:rPr>
+              <a:t>생각이 듭니다</a:t>
+            </a:r>
+            <a:r>
+              <a:rPr lang="en-US" altLang="ko-KR" dirty="0">
+                <a:solidFill>
+                  <a:schemeClr val="tx1"/>
+                </a:solidFill>
+              </a:rPr>
+              <a:t>. </a:t>
+            </a:r>
+            <a:r>
+              <a:rPr lang="ko-KR" altLang="en-US" dirty="0">
+                <a:solidFill>
+                  <a:schemeClr val="tx1"/>
+                </a:solidFill>
+              </a:rPr>
+              <a:t>감사합니다</a:t>
+            </a:r>
+            <a:r>
+              <a:rPr lang="en-US" altLang="ko-KR">
+                <a:solidFill>
+                  <a:schemeClr val="tx1"/>
+                </a:solidFill>
+              </a:rPr>
+              <a:t>.</a:t>
+            </a:r>
+            <a:endParaRPr lang="ko-KR" altLang="en-US" dirty="0">
+              <a:solidFill>
+                <a:schemeClr val="tx1"/>
+              </a:solidFill>
+            </a:endParaRPr>
           </a:p>
         </p:txBody>
       </p:sp>
